--- a/images/IJEG.pptx
+++ b/images/IJEG.pptx
@@ -2966,7 +2966,7 @@
       </p:grpSpPr>
       <p:pic>
         <p:nvPicPr>
-          <p:cNvPr id="4" name="Picture 3"/>
+          <p:cNvPr id="8" name="Picture 7"/>
           <p:cNvPicPr>
             <a:picLocks noChangeAspect="1"/>
           </p:cNvPicPr>
@@ -2986,8 +2986,8 @@
         </p:blipFill>
         <p:spPr>
           <a:xfrm>
-            <a:off x="1659751" y="872067"/>
-            <a:ext cx="5382729" cy="3970866"/>
+            <a:off x="1779008" y="872067"/>
+            <a:ext cx="5480285" cy="4042833"/>
           </a:xfrm>
           <a:prstGeom prst="rect">
             <a:avLst/>
@@ -3016,7 +3016,7 @@
         </p:blipFill>
         <p:spPr>
           <a:xfrm>
-            <a:off x="7042480" y="872067"/>
+            <a:off x="6923947" y="872067"/>
             <a:ext cx="2634921" cy="5141310"/>
           </a:xfrm>
           <a:prstGeom prst="rect">
